--- a/android/helloworld/decl/doc/slides.pptx
+++ b/android/helloworld/decl/doc/slides.pptx
@@ -4297,9 +4297,79 @@
           </a:p>
         </p:txBody>
       </p:sp>
+      <p:sp>
+        <p:nvSpPr>
+          <p:cNvPr id="11" name="Footer Placeholder 10"/>
+          <p:cNvSpPr>
+            <a:spLocks noGrp="1"/>
+          </p:cNvSpPr>
+          <p:nvPr>
+            <p:ph type="ftr" sz="quarter" idx="11"/>
+          </p:nvPr>
+        </p:nvSpPr>
+        <p:spPr/>
+        <p:txBody>
+          <a:bodyPr/>
+          <a:lstStyle/>
+          <a:p>
+            <a:r>
+              <a:rPr lang="en-US" smtClean="0"/>
+              <a:t>/  4</a:t>
+            </a:r>
+            <a:endParaRPr lang="en-US" dirty="0"/>
+          </a:p>
+        </p:txBody>
+      </p:sp>
+      <p:sp>
+        <p:nvSpPr>
+          <p:cNvPr id="12" name="Slide Number Placeholder 11"/>
+          <p:cNvSpPr>
+            <a:spLocks noGrp="1"/>
+          </p:cNvSpPr>
+          <p:nvPr>
+            <p:ph type="sldNum" sz="quarter" idx="12"/>
+          </p:nvPr>
+        </p:nvSpPr>
+        <p:spPr/>
+        <p:txBody>
+          <a:bodyPr/>
+          <a:lstStyle/>
+          <a:p>
+            <a:fld id="{F14C4B3A-3BFE-425B-848E-63314BCC0107}" type="slidenum">
+              <a:rPr lang="en-US" smtClean="0"/>
+              <a:pPr/>
+              <a:t>2</a:t>
+            </a:fld>
+            <a:endParaRPr lang="en-US" dirty="0"/>
+          </a:p>
+        </p:txBody>
+      </p:sp>
+      <p:sp>
+        <p:nvSpPr>
+          <p:cNvPr id="14" name="Date Placeholder 13"/>
+          <p:cNvSpPr>
+            <a:spLocks noGrp="1"/>
+          </p:cNvSpPr>
+          <p:nvPr>
+            <p:ph type="dt" sz="half" idx="10"/>
+          </p:nvPr>
+        </p:nvSpPr>
+        <p:spPr/>
+        <p:txBody>
+          <a:bodyPr/>
+          <a:lstStyle/>
+          <a:p>
+            <a:r>
+              <a:rPr lang="en-US" smtClean="0"/>
+              <a:t>android/tutorial/helloworld/decl</a:t>
+            </a:r>
+            <a:endParaRPr lang="en-US" dirty="0"/>
+          </a:p>
+        </p:txBody>
+      </p:sp>
       <p:pic>
         <p:nvPicPr>
-          <p:cNvPr id="4" name="Picture 3"/>
+          <p:cNvPr id="2" name="Picture 1"/>
           <p:cNvPicPr>
             <a:picLocks noChangeAspect="1"/>
           </p:cNvPicPr>
@@ -4319,8 +4389,8 @@
         </p:blipFill>
         <p:spPr>
           <a:xfrm>
-            <a:off x="378962" y="292920"/>
-            <a:ext cx="3857625" cy="6128657"/>
+            <a:off x="644635" y="299513"/>
+            <a:ext cx="3456310" cy="6144548"/>
           </a:xfrm>
           <a:prstGeom prst="rect">
             <a:avLst/>
@@ -4329,7 +4399,7 @@
       </p:pic>
       <p:pic>
         <p:nvPicPr>
-          <p:cNvPr id="5" name="Picture 4"/>
+          <p:cNvPr id="6" name="Picture 5"/>
           <p:cNvPicPr>
             <a:picLocks noChangeAspect="1"/>
           </p:cNvPicPr>
@@ -4349,84 +4419,14 @@
         </p:blipFill>
         <p:spPr>
           <a:xfrm>
-            <a:off x="4323323" y="3357248"/>
-            <a:ext cx="7448488" cy="3064329"/>
+            <a:off x="4353107" y="2893013"/>
+            <a:ext cx="6218606" cy="3497966"/>
           </a:xfrm>
           <a:prstGeom prst="rect">
             <a:avLst/>
           </a:prstGeom>
         </p:spPr>
       </p:pic>
-      <p:sp>
-        <p:nvSpPr>
-          <p:cNvPr id="11" name="Footer Placeholder 10"/>
-          <p:cNvSpPr>
-            <a:spLocks noGrp="1"/>
-          </p:cNvSpPr>
-          <p:nvPr>
-            <p:ph type="ftr" sz="quarter" idx="11"/>
-          </p:nvPr>
-        </p:nvSpPr>
-        <p:spPr/>
-        <p:txBody>
-          <a:bodyPr/>
-          <a:lstStyle/>
-          <a:p>
-            <a:r>
-              <a:rPr lang="en-US" smtClean="0"/>
-              <a:t>/  4</a:t>
-            </a:r>
-            <a:endParaRPr lang="en-US" dirty="0"/>
-          </a:p>
-        </p:txBody>
-      </p:sp>
-      <p:sp>
-        <p:nvSpPr>
-          <p:cNvPr id="12" name="Slide Number Placeholder 11"/>
-          <p:cNvSpPr>
-            <a:spLocks noGrp="1"/>
-          </p:cNvSpPr>
-          <p:nvPr>
-            <p:ph type="sldNum" sz="quarter" idx="12"/>
-          </p:nvPr>
-        </p:nvSpPr>
-        <p:spPr/>
-        <p:txBody>
-          <a:bodyPr/>
-          <a:lstStyle/>
-          <a:p>
-            <a:fld id="{F14C4B3A-3BFE-425B-848E-63314BCC0107}" type="slidenum">
-              <a:rPr lang="en-US" smtClean="0"/>
-              <a:pPr/>
-              <a:t>2</a:t>
-            </a:fld>
-            <a:endParaRPr lang="en-US" dirty="0"/>
-          </a:p>
-        </p:txBody>
-      </p:sp>
-      <p:sp>
-        <p:nvSpPr>
-          <p:cNvPr id="14" name="Date Placeholder 13"/>
-          <p:cNvSpPr>
-            <a:spLocks noGrp="1"/>
-          </p:cNvSpPr>
-          <p:nvPr>
-            <p:ph type="dt" sz="half" idx="10"/>
-          </p:nvPr>
-        </p:nvSpPr>
-        <p:spPr/>
-        <p:txBody>
-          <a:bodyPr/>
-          <a:lstStyle/>
-          <a:p>
-            <a:r>
-              <a:rPr lang="en-US" smtClean="0"/>
-              <a:t>android/tutorial/helloworld/decl</a:t>
-            </a:r>
-            <a:endParaRPr lang="en-US" dirty="0"/>
-          </a:p>
-        </p:txBody>
-      </p:sp>
     </p:spTree>
     <p:extLst>
       <p:ext uri="{BB962C8B-B14F-4D97-AF65-F5344CB8AC3E}">
